--- a/Documentation/test_report.pptx
+++ b/Documentation/test_report.pptx
@@ -5169,7 +5169,7 @@
         </p:blipFill>
         <p:spPr>
           <a:xfrm>
-            <a:off x="517879" y="1359561"/>
+            <a:off x="155274" y="1124669"/>
             <a:ext cx="7649643" cy="1571844"/>
           </a:xfrm>
           <a:prstGeom prst="rect">
@@ -5179,10 +5179,10 @@
       </p:pic>
       <p:pic>
         <p:nvPicPr>
-          <p:cNvPr id="7" name="Resim 6">
-            <a:extLst>
-              <a:ext uri="{FF2B5EF4-FFF2-40B4-BE49-F238E27FC236}">
-                <a16:creationId xmlns:a16="http://schemas.microsoft.com/office/drawing/2014/main" id="{BB898F54-BD76-40D2-9B33-373ACB4FA708}"/>
+          <p:cNvPr id="11" name="Resim 10">
+            <a:extLst>
+              <a:ext uri="{FF2B5EF4-FFF2-40B4-BE49-F238E27FC236}">
+                <a16:creationId xmlns:a16="http://schemas.microsoft.com/office/drawing/2014/main" id="{FB1E4C8F-88FF-4EA8-887A-37254C173DE9}"/>
               </a:ext>
             </a:extLst>
           </p:cNvPr>
@@ -5205,8 +5205,8 @@
         </p:blipFill>
         <p:spPr>
           <a:xfrm>
-            <a:off x="5786225" y="170995"/>
-            <a:ext cx="6173061" cy="6516009"/>
+            <a:off x="1950987" y="2986260"/>
+            <a:ext cx="2029108" cy="1629002"/>
           </a:xfrm>
           <a:prstGeom prst="rect">
             <a:avLst/>
@@ -5215,10 +5215,10 @@
       </p:pic>
       <p:pic>
         <p:nvPicPr>
-          <p:cNvPr id="11" name="Resim 10">
-            <a:extLst>
-              <a:ext uri="{FF2B5EF4-FFF2-40B4-BE49-F238E27FC236}">
-                <a16:creationId xmlns:a16="http://schemas.microsoft.com/office/drawing/2014/main" id="{FB1E4C8F-88FF-4EA8-887A-37254C173DE9}"/>
+          <p:cNvPr id="3" name="Resim 2">
+            <a:extLst>
+              <a:ext uri="{FF2B5EF4-FFF2-40B4-BE49-F238E27FC236}">
+                <a16:creationId xmlns:a16="http://schemas.microsoft.com/office/drawing/2014/main" id="{98B1B45E-4A1B-4853-A64C-1254ED072662}"/>
               </a:ext>
             </a:extLst>
           </p:cNvPr>
@@ -5241,8 +5241,8 @@
         </p:blipFill>
         <p:spPr>
           <a:xfrm>
-            <a:off x="1969131" y="3112095"/>
-            <a:ext cx="2029108" cy="1629002"/>
+            <a:off x="5339670" y="100668"/>
+            <a:ext cx="6697056" cy="6858000"/>
           </a:xfrm>
           <a:prstGeom prst="rect">
             <a:avLst/>
@@ -5382,10 +5382,10 @@
       </p:grpSpPr>
       <p:pic>
         <p:nvPicPr>
-          <p:cNvPr id="5" name="Resim 4">
-            <a:extLst>
-              <a:ext uri="{FF2B5EF4-FFF2-40B4-BE49-F238E27FC236}">
-                <a16:creationId xmlns:a16="http://schemas.microsoft.com/office/drawing/2014/main" id="{DDCCAF10-3033-4FC6-BA4F-619B37307D81}"/>
+          <p:cNvPr id="7" name="Resim 6">
+            <a:extLst>
+              <a:ext uri="{FF2B5EF4-FFF2-40B4-BE49-F238E27FC236}">
+                <a16:creationId xmlns:a16="http://schemas.microsoft.com/office/drawing/2014/main" id="{61334CE0-D252-4DBA-98E7-74C4DB2303E4}"/>
               </a:ext>
             </a:extLst>
           </p:cNvPr>
@@ -5408,8 +5408,8 @@
         </p:blipFill>
         <p:spPr>
           <a:xfrm>
-            <a:off x="818413" y="0"/>
-            <a:ext cx="10555173" cy="1486107"/>
+            <a:off x="6215405" y="1704221"/>
+            <a:ext cx="4676853" cy="5061492"/>
           </a:xfrm>
           <a:prstGeom prst="rect">
             <a:avLst/>
@@ -5418,10 +5418,10 @@
       </p:pic>
       <p:pic>
         <p:nvPicPr>
-          <p:cNvPr id="7" name="Resim 6">
-            <a:extLst>
-              <a:ext uri="{FF2B5EF4-FFF2-40B4-BE49-F238E27FC236}">
-                <a16:creationId xmlns:a16="http://schemas.microsoft.com/office/drawing/2014/main" id="{61334CE0-D252-4DBA-98E7-74C4DB2303E4}"/>
+          <p:cNvPr id="6" name="Resim 5">
+            <a:extLst>
+              <a:ext uri="{FF2B5EF4-FFF2-40B4-BE49-F238E27FC236}">
+                <a16:creationId xmlns:a16="http://schemas.microsoft.com/office/drawing/2014/main" id="{414620A8-20A8-46A3-BB94-98B727F977B4}"/>
               </a:ext>
             </a:extLst>
           </p:cNvPr>
@@ -5444,14 +5444,143 @@
         </p:blipFill>
         <p:spPr>
           <a:xfrm>
-            <a:off x="3421872" y="1486107"/>
-            <a:ext cx="4676853" cy="5061492"/>
+            <a:off x="1627301" y="256219"/>
+            <a:ext cx="10564699" cy="1448002"/>
           </a:xfrm>
           <a:prstGeom prst="rect">
             <a:avLst/>
           </a:prstGeom>
         </p:spPr>
       </p:pic>
+      <p:sp>
+        <p:nvSpPr>
+          <p:cNvPr id="8" name="Metin kutusu 7">
+            <a:extLst>
+              <a:ext uri="{FF2B5EF4-FFF2-40B4-BE49-F238E27FC236}">
+                <a16:creationId xmlns:a16="http://schemas.microsoft.com/office/drawing/2014/main" id="{089B9401-7041-41DA-AFBF-F8D78CF325D0}"/>
+              </a:ext>
+            </a:extLst>
+          </p:cNvPr>
+          <p:cNvSpPr txBox="1"/>
+          <p:nvPr/>
+        </p:nvSpPr>
+        <p:spPr>
+          <a:xfrm>
+            <a:off x="1299742" y="2505670"/>
+            <a:ext cx="3951215" cy="1015663"/>
+          </a:xfrm>
+          <a:prstGeom prst="rect">
+            <a:avLst/>
+          </a:prstGeom>
+          <a:noFill/>
+        </p:spPr>
+        <p:txBody>
+          <a:bodyPr wrap="square" rtlCol="0">
+            <a:spAutoFit/>
+          </a:bodyPr>
+          <a:lstStyle/>
+          <a:p>
+            <a:r>
+              <a:rPr lang="tr-TR" sz="2400" dirty="0"/>
+              <a:t>Data </a:t>
+            </a:r>
+            <a:r>
+              <a:rPr lang="tr-TR" sz="2400" dirty="0" err="1"/>
+              <a:t>Flow</a:t>
+            </a:r>
+            <a:r>
+              <a:rPr lang="tr-TR" sz="2400" dirty="0"/>
+              <a:t> Test</a:t>
+            </a:r>
+          </a:p>
+          <a:p>
+            <a:r>
+              <a:rPr lang="tr-TR" dirty="0"/>
+              <a:t> </a:t>
+            </a:r>
+            <a:r>
+              <a:rPr lang="tr-TR" dirty="0" err="1"/>
+              <a:t>Follow</a:t>
+            </a:r>
+            <a:r>
+              <a:rPr lang="tr-TR" dirty="0"/>
+              <a:t> </a:t>
+            </a:r>
+            <a:r>
+              <a:rPr lang="tr-TR" dirty="0" err="1"/>
+              <a:t>the</a:t>
+            </a:r>
+            <a:r>
+              <a:rPr lang="tr-TR" dirty="0"/>
+              <a:t> data </a:t>
+            </a:r>
+            <a:r>
+              <a:rPr lang="tr-TR" dirty="0" err="1"/>
+              <a:t>if</a:t>
+            </a:r>
+            <a:r>
+              <a:rPr lang="tr-TR" dirty="0"/>
+              <a:t> </a:t>
+            </a:r>
+            <a:r>
+              <a:rPr lang="tr-TR" dirty="0" err="1"/>
+              <a:t>there</a:t>
+            </a:r>
+            <a:r>
+              <a:rPr lang="tr-TR" dirty="0"/>
+              <a:t> is a </a:t>
+            </a:r>
+            <a:r>
+              <a:rPr lang="tr-TR" dirty="0" err="1"/>
+              <a:t>error</a:t>
+            </a:r>
+            <a:r>
+              <a:rPr lang="tr-TR" dirty="0"/>
+              <a:t> </a:t>
+            </a:r>
+            <a:r>
+              <a:rPr lang="tr-TR" dirty="0" err="1"/>
+              <a:t>or</a:t>
+            </a:r>
+            <a:r>
+              <a:rPr lang="tr-TR" dirty="0"/>
+              <a:t> </a:t>
+            </a:r>
+            <a:r>
+              <a:rPr lang="tr-TR" dirty="0" err="1"/>
+              <a:t>change</a:t>
+            </a:r>
+            <a:r>
+              <a:rPr lang="tr-TR" dirty="0"/>
+              <a:t> on </a:t>
+            </a:r>
+            <a:r>
+              <a:rPr lang="tr-TR" dirty="0" err="1"/>
+              <a:t>the</a:t>
+            </a:r>
+            <a:r>
+              <a:rPr lang="tr-TR" dirty="0"/>
+              <a:t> data </a:t>
+            </a:r>
+            <a:r>
+              <a:rPr lang="tr-TR" dirty="0" err="1"/>
+              <a:t>which</a:t>
+            </a:r>
+            <a:r>
+              <a:rPr lang="tr-TR" dirty="0"/>
+              <a:t> </a:t>
+            </a:r>
+            <a:r>
+              <a:rPr lang="tr-TR" dirty="0" err="1"/>
+              <a:t>unexpected</a:t>
+            </a:r>
+            <a:r>
+              <a:rPr lang="tr-TR" dirty="0"/>
+              <a:t> .</a:t>
+            </a:r>
+          </a:p>
+        </p:txBody>
+      </p:sp>
     </p:spTree>
     <p:extLst>
       <p:ext uri="{BB962C8B-B14F-4D97-AF65-F5344CB8AC3E}">
